--- a/卒業制作『Javaクイズ』について[20240627].pptx
+++ b/卒業制作『Javaクイズ』について[20240627].pptx
@@ -121,9 +121,38 @@
 <file path=ppt/revisionInfo.xml><?xml version="1.0" encoding="utf-8"?>
 <p1510:revInfo xmlns:a="http://schemas.openxmlformats.org/drawingml/2006/main" xmlns:r="http://schemas.openxmlformats.org/officeDocument/2006/relationships" xmlns:p1510="http://schemas.microsoft.com/office/powerpoint/2015/10/main">
   <p1510:revLst>
-    <p1510:client id="{F611492D-C939-2E38-02D7-F86DFBFF8DCA}" v="285" dt="2024-06-20T05:18:39.058"/>
+    <p1510:client id="{44090F61-639B-F25B-17DC-BBB623FD24E0}" v="19" dt="2024-06-24T02:12:07.940"/>
   </p1510:revLst>
 </p1510:revInfo>
+</file>
+
+<file path=ppt/changesInfos/changesInfo1.xml><?xml version="1.0" encoding="utf-8"?>
+<pc:chgInfo xmlns:a="http://schemas.openxmlformats.org/drawingml/2006/main" xmlns:r="http://schemas.openxmlformats.org/officeDocument/2006/relationships" xmlns:ac="http://schemas.microsoft.com/office/drawing/2013/main/command" xmlns:pc="http://schemas.microsoft.com/office/powerpoint/2013/main/command">
+  <pc:docChgLst>
+    <pc:chgData name="寿彦 木本" userId="ac7930599ca11dcc" providerId="Windows Live" clId="Web-{44090F61-639B-F25B-17DC-BBB623FD24E0}"/>
+    <pc:docChg chg="modSld">
+      <pc:chgData name="寿彦 木本" userId="ac7930599ca11dcc" providerId="Windows Live" clId="Web-{44090F61-639B-F25B-17DC-BBB623FD24E0}" dt="2024-06-24T02:12:07.940" v="18" actId="20577"/>
+      <pc:docMkLst>
+        <pc:docMk/>
+      </pc:docMkLst>
+      <pc:sldChg chg="modSp">
+        <pc:chgData name="寿彦 木本" userId="ac7930599ca11dcc" providerId="Windows Live" clId="Web-{44090F61-639B-F25B-17DC-BBB623FD24E0}" dt="2024-06-24T02:12:07.940" v="18" actId="20577"/>
+        <pc:sldMkLst>
+          <pc:docMk/>
+          <pc:sldMk cId="3234925968" sldId="259"/>
+        </pc:sldMkLst>
+        <pc:spChg chg="mod">
+          <ac:chgData name="寿彦 木本" userId="ac7930599ca11dcc" providerId="Windows Live" clId="Web-{44090F61-639B-F25B-17DC-BBB623FD24E0}" dt="2024-06-24T02:12:07.940" v="18" actId="20577"/>
+          <ac:spMkLst>
+            <pc:docMk/>
+            <pc:sldMk cId="3234925968" sldId="259"/>
+            <ac:spMk id="3" creationId="{761E1E3F-5D18-622C-184E-5827D4289676}"/>
+          </ac:spMkLst>
+        </pc:spChg>
+      </pc:sldChg>
+    </pc:docChg>
+  </pc:docChgLst>
+</pc:chgInfo>
 </file>
 
 <file path=ppt/slideLayouts/slideLayout1.xml><?xml version="1.0" encoding="utf-8"?>
@@ -277,7 +306,7 @@
           <a:p>
             <a:fld id="{77CA0979-F579-4E9B-A675-1F5ABBFF00DB}" type="datetimeFigureOut">
               <a:rPr lang="en-US" dirty="0"/>
-              <a:t>6/19/2024</a:t>
+              <a:t>6/23/2024</a:t>
             </a:fld>
             <a:endParaRPr lang="en-US" dirty="0"/>
           </a:p>
@@ -505,7 +534,7 @@
           <a:p>
             <a:fld id="{F7E76D0F-5A12-4D0A-80B0-1A6122B61E7B}" type="datetimeFigureOut">
               <a:rPr lang="en-US" dirty="0"/>
-              <a:t>6/19/2024</a:t>
+              <a:t>6/23/2024</a:t>
             </a:fld>
             <a:endParaRPr lang="en-US" dirty="0"/>
           </a:p>
@@ -717,7 +746,7 @@
           <a:p>
             <a:fld id="{8B9E8C84-89CA-44AB-B0BE-5C91BAF75478}" type="datetimeFigureOut">
               <a:rPr lang="en-US" dirty="0"/>
-              <a:t>6/19/2024</a:t>
+              <a:t>6/23/2024</a:t>
             </a:fld>
             <a:endParaRPr lang="en-US" dirty="0"/>
           </a:p>
@@ -919,7 +948,7 @@
           <a:p>
             <a:fld id="{73E7156E-175E-4DBA-9D21-B772C320F342}" type="datetimeFigureOut">
               <a:rPr lang="en-US" dirty="0"/>
-              <a:t>6/19/2024</a:t>
+              <a:t>6/23/2024</a:t>
             </a:fld>
             <a:endParaRPr lang="en-US" dirty="0"/>
           </a:p>
@@ -1200,7 +1229,7 @@
           <a:p>
             <a:fld id="{04895F6E-3D02-4292-95D1-C62B3126321B}" type="datetimeFigureOut">
               <a:rPr lang="en-US" dirty="0"/>
-              <a:t>6/19/2024</a:t>
+              <a:t>6/23/2024</a:t>
             </a:fld>
             <a:endParaRPr lang="en-US" dirty="0"/>
           </a:p>
@@ -1474,7 +1503,7 @@
           <a:p>
             <a:fld id="{EDCB5ACB-D10C-44A8-9570-124370F4CB38}" type="datetimeFigureOut">
               <a:rPr lang="en-US" dirty="0"/>
-              <a:t>6/19/2024</a:t>
+              <a:t>6/23/2024</a:t>
             </a:fld>
             <a:endParaRPr lang="en-US" dirty="0"/>
           </a:p>
@@ -1900,7 +1929,7 @@
           <a:p>
             <a:fld id="{AB8D84F4-0E7A-4BDE-98C6-AE68FB974645}" type="datetimeFigureOut">
               <a:rPr lang="en-US" dirty="0"/>
-              <a:t>6/19/2024</a:t>
+              <a:t>6/23/2024</a:t>
             </a:fld>
             <a:endParaRPr lang="en-US" dirty="0"/>
           </a:p>
@@ -2045,7 +2074,7 @@
           <a:p>
             <a:fld id="{CBEFF1D8-9801-4C4B-92F3-66C9A863BD74}" type="datetimeFigureOut">
               <a:rPr lang="en-US" dirty="0"/>
-              <a:t>6/19/2024</a:t>
+              <a:t>6/23/2024</a:t>
             </a:fld>
             <a:endParaRPr lang="en-US" dirty="0"/>
           </a:p>
@@ -2162,7 +2191,7 @@
           <a:p>
             <a:fld id="{961FE8FD-B23E-4E1A-83EF-0847EBEA0105}" type="datetimeFigureOut">
               <a:rPr lang="en-US" dirty="0"/>
-              <a:t>6/19/2024</a:t>
+              <a:t>6/23/2024</a:t>
             </a:fld>
             <a:endParaRPr lang="en-US" dirty="0"/>
           </a:p>
@@ -2483,7 +2512,7 @@
           <a:p>
             <a:fld id="{8DDF891E-A7C2-465C-AD39-8EDCB0F58E3C}" type="datetimeFigureOut">
               <a:rPr lang="en-US" dirty="0"/>
-              <a:t>6/19/2024</a:t>
+              <a:t>6/23/2024</a:t>
             </a:fld>
             <a:endParaRPr lang="en-US" dirty="0"/>
           </a:p>
@@ -2777,7 +2806,7 @@
           <a:p>
             <a:fld id="{F39F93E5-AFB6-485C-8E3C-32F92A07875F}" type="datetimeFigureOut">
               <a:rPr lang="en-US" dirty="0"/>
-              <a:t>6/19/2024</a:t>
+              <a:t>6/23/2024</a:t>
             </a:fld>
             <a:endParaRPr lang="en-US" dirty="0"/>
           </a:p>
@@ -3020,7 +3049,7 @@
           <a:p>
             <a:fld id="{3A332BE1-279E-4118-9FE3-7952B079A510}" type="datetimeFigureOut">
               <a:rPr lang="en-US" dirty="0"/>
-              <a:t>6/19/2024</a:t>
+              <a:t>6/23/2024</a:t>
             </a:fld>
             <a:endParaRPr lang="en-US" dirty="0"/>
           </a:p>
@@ -4012,7 +4041,7 @@
                 <a:ea typeface="+mn-lt"/>
                 <a:cs typeface="+mn-lt"/>
               </a:rPr>
-              <a:t>のみ変更必要　(例) Javaクイズ→○○クイズ）</a:t>
+              <a:t>のみ変更必要　(例) Javaクイズ --&gt; 〇〇クイズ）</a:t>
             </a:r>
             <a:endParaRPr kumimoji="1" lang="ja-JP" altLang="en-US">
               <a:ea typeface="+mn-lt"/>

--- a/卒業制作『Javaクイズ』について[20240627].pptx
+++ b/卒業制作『Javaクイズ』について[20240627].pptx
@@ -122,12 +122,82 @@
 <p1510:revInfo xmlns:a="http://schemas.openxmlformats.org/drawingml/2006/main" xmlns:r="http://schemas.openxmlformats.org/officeDocument/2006/relationships" xmlns:p1510="http://schemas.microsoft.com/office/powerpoint/2015/10/main">
   <p1510:revLst>
     <p1510:client id="{44090F61-639B-F25B-17DC-BBB623FD24E0}" v="19" dt="2024-06-24T02:12:07.940"/>
+    <p1510:client id="{DA41EBF2-7304-9B38-FB9C-1D14043F109E}" v="10" dt="2024-06-26T01:32:49.624"/>
   </p1510:revLst>
 </p1510:revInfo>
 </file>
 
 <file path=ppt/changesInfos/changesInfo1.xml><?xml version="1.0" encoding="utf-8"?>
 <pc:chgInfo xmlns:a="http://schemas.openxmlformats.org/drawingml/2006/main" xmlns:r="http://schemas.openxmlformats.org/officeDocument/2006/relationships" xmlns:ac="http://schemas.microsoft.com/office/drawing/2013/main/command" xmlns:pc="http://schemas.microsoft.com/office/powerpoint/2013/main/command">
+  <pc:docChgLst>
+    <pc:chgData name="寿彦 木本" userId="ac7930599ca11dcc" providerId="Windows Live" clId="Web-{DA41EBF2-7304-9B38-FB9C-1D14043F109E}"/>
+    <pc:docChg chg="modSld">
+      <pc:chgData name="寿彦 木本" userId="ac7930599ca11dcc" providerId="Windows Live" clId="Web-{DA41EBF2-7304-9B38-FB9C-1D14043F109E}" dt="2024-06-26T01:32:49.624" v="9" actId="20577"/>
+      <pc:docMkLst>
+        <pc:docMk/>
+      </pc:docMkLst>
+      <pc:sldChg chg="modSp">
+        <pc:chgData name="寿彦 木本" userId="ac7930599ca11dcc" providerId="Windows Live" clId="Web-{DA41EBF2-7304-9B38-FB9C-1D14043F109E}" dt="2024-06-26T01:30:02.393" v="1" actId="20577"/>
+        <pc:sldMkLst>
+          <pc:docMk/>
+          <pc:sldMk cId="2724611112" sldId="257"/>
+        </pc:sldMkLst>
+        <pc:spChg chg="mod">
+          <ac:chgData name="寿彦 木本" userId="ac7930599ca11dcc" providerId="Windows Live" clId="Web-{DA41EBF2-7304-9B38-FB9C-1D14043F109E}" dt="2024-06-26T01:30:02.393" v="1" actId="20577"/>
+          <ac:spMkLst>
+            <pc:docMk/>
+            <pc:sldMk cId="2724611112" sldId="257"/>
+            <ac:spMk id="3" creationId="{7A55606B-2F87-1378-F89C-ABE43DC72496}"/>
+          </ac:spMkLst>
+        </pc:spChg>
+      </pc:sldChg>
+      <pc:sldChg chg="modSp">
+        <pc:chgData name="寿彦 木本" userId="ac7930599ca11dcc" providerId="Windows Live" clId="Web-{DA41EBF2-7304-9B38-FB9C-1D14043F109E}" dt="2024-06-26T01:31:39.931" v="5" actId="20577"/>
+        <pc:sldMkLst>
+          <pc:docMk/>
+          <pc:sldMk cId="1239480981" sldId="258"/>
+        </pc:sldMkLst>
+        <pc:spChg chg="mod">
+          <ac:chgData name="寿彦 木本" userId="ac7930599ca11dcc" providerId="Windows Live" clId="Web-{DA41EBF2-7304-9B38-FB9C-1D14043F109E}" dt="2024-06-26T01:31:39.931" v="5" actId="20577"/>
+          <ac:spMkLst>
+            <pc:docMk/>
+            <pc:sldMk cId="1239480981" sldId="258"/>
+            <ac:spMk id="3" creationId="{A66B436D-2FCC-EEF4-C945-18B5EED82B8F}"/>
+          </ac:spMkLst>
+        </pc:spChg>
+      </pc:sldChg>
+      <pc:sldChg chg="modSp">
+        <pc:chgData name="寿彦 木本" userId="ac7930599ca11dcc" providerId="Windows Live" clId="Web-{DA41EBF2-7304-9B38-FB9C-1D14043F109E}" dt="2024-06-26T01:31:56.370" v="6" actId="20577"/>
+        <pc:sldMkLst>
+          <pc:docMk/>
+          <pc:sldMk cId="3234925968" sldId="259"/>
+        </pc:sldMkLst>
+        <pc:spChg chg="mod">
+          <ac:chgData name="寿彦 木本" userId="ac7930599ca11dcc" providerId="Windows Live" clId="Web-{DA41EBF2-7304-9B38-FB9C-1D14043F109E}" dt="2024-06-26T01:31:56.370" v="6" actId="20577"/>
+          <ac:spMkLst>
+            <pc:docMk/>
+            <pc:sldMk cId="3234925968" sldId="259"/>
+            <ac:spMk id="3" creationId="{761E1E3F-5D18-622C-184E-5827D4289676}"/>
+          </ac:spMkLst>
+        </pc:spChg>
+      </pc:sldChg>
+      <pc:sldChg chg="modSp">
+        <pc:chgData name="寿彦 木本" userId="ac7930599ca11dcc" providerId="Windows Live" clId="Web-{DA41EBF2-7304-9B38-FB9C-1D14043F109E}" dt="2024-06-26T01:32:49.624" v="9" actId="20577"/>
+        <pc:sldMkLst>
+          <pc:docMk/>
+          <pc:sldMk cId="875632884" sldId="260"/>
+        </pc:sldMkLst>
+        <pc:spChg chg="mod">
+          <ac:chgData name="寿彦 木本" userId="ac7930599ca11dcc" providerId="Windows Live" clId="Web-{DA41EBF2-7304-9B38-FB9C-1D14043F109E}" dt="2024-06-26T01:32:49.624" v="9" actId="20577"/>
+          <ac:spMkLst>
+            <pc:docMk/>
+            <pc:sldMk cId="875632884" sldId="260"/>
+            <ac:spMk id="3" creationId="{971308F4-1950-EEDD-84A5-8262F7006737}"/>
+          </ac:spMkLst>
+        </pc:spChg>
+      </pc:sldChg>
+    </pc:docChg>
+  </pc:docChgLst>
   <pc:docChgLst>
     <pc:chgData name="寿彦 木本" userId="ac7930599ca11dcc" providerId="Windows Live" clId="Web-{44090F61-639B-F25B-17DC-BBB623FD24E0}"/>
     <pc:docChg chg="modSld">
@@ -306,7 +376,7 @@
           <a:p>
             <a:fld id="{77CA0979-F579-4E9B-A675-1F5ABBFF00DB}" type="datetimeFigureOut">
               <a:rPr lang="en-US" dirty="0"/>
-              <a:t>6/23/2024</a:t>
+              <a:t>6/25/2024</a:t>
             </a:fld>
             <a:endParaRPr lang="en-US" dirty="0"/>
           </a:p>
@@ -534,7 +604,7 @@
           <a:p>
             <a:fld id="{F7E76D0F-5A12-4D0A-80B0-1A6122B61E7B}" type="datetimeFigureOut">
               <a:rPr lang="en-US" dirty="0"/>
-              <a:t>6/23/2024</a:t>
+              <a:t>6/25/2024</a:t>
             </a:fld>
             <a:endParaRPr lang="en-US" dirty="0"/>
           </a:p>
@@ -746,7 +816,7 @@
           <a:p>
             <a:fld id="{8B9E8C84-89CA-44AB-B0BE-5C91BAF75478}" type="datetimeFigureOut">
               <a:rPr lang="en-US" dirty="0"/>
-              <a:t>6/23/2024</a:t>
+              <a:t>6/25/2024</a:t>
             </a:fld>
             <a:endParaRPr lang="en-US" dirty="0"/>
           </a:p>
@@ -948,7 +1018,7 @@
           <a:p>
             <a:fld id="{73E7156E-175E-4DBA-9D21-B772C320F342}" type="datetimeFigureOut">
               <a:rPr lang="en-US" dirty="0"/>
-              <a:t>6/23/2024</a:t>
+              <a:t>6/25/2024</a:t>
             </a:fld>
             <a:endParaRPr lang="en-US" dirty="0"/>
           </a:p>
@@ -1229,7 +1299,7 @@
           <a:p>
             <a:fld id="{04895F6E-3D02-4292-95D1-C62B3126321B}" type="datetimeFigureOut">
               <a:rPr lang="en-US" dirty="0"/>
-              <a:t>6/23/2024</a:t>
+              <a:t>6/25/2024</a:t>
             </a:fld>
             <a:endParaRPr lang="en-US" dirty="0"/>
           </a:p>
@@ -1503,7 +1573,7 @@
           <a:p>
             <a:fld id="{EDCB5ACB-D10C-44A8-9570-124370F4CB38}" type="datetimeFigureOut">
               <a:rPr lang="en-US" dirty="0"/>
-              <a:t>6/23/2024</a:t>
+              <a:t>6/25/2024</a:t>
             </a:fld>
             <a:endParaRPr lang="en-US" dirty="0"/>
           </a:p>
@@ -1929,7 +1999,7 @@
           <a:p>
             <a:fld id="{AB8D84F4-0E7A-4BDE-98C6-AE68FB974645}" type="datetimeFigureOut">
               <a:rPr lang="en-US" dirty="0"/>
-              <a:t>6/23/2024</a:t>
+              <a:t>6/25/2024</a:t>
             </a:fld>
             <a:endParaRPr lang="en-US" dirty="0"/>
           </a:p>
@@ -2074,7 +2144,7 @@
           <a:p>
             <a:fld id="{CBEFF1D8-9801-4C4B-92F3-66C9A863BD74}" type="datetimeFigureOut">
               <a:rPr lang="en-US" dirty="0"/>
-              <a:t>6/23/2024</a:t>
+              <a:t>6/25/2024</a:t>
             </a:fld>
             <a:endParaRPr lang="en-US" dirty="0"/>
           </a:p>
@@ -2191,7 +2261,7 @@
           <a:p>
             <a:fld id="{961FE8FD-B23E-4E1A-83EF-0847EBEA0105}" type="datetimeFigureOut">
               <a:rPr lang="en-US" dirty="0"/>
-              <a:t>6/23/2024</a:t>
+              <a:t>6/25/2024</a:t>
             </a:fld>
             <a:endParaRPr lang="en-US" dirty="0"/>
           </a:p>
@@ -2512,7 +2582,7 @@
           <a:p>
             <a:fld id="{8DDF891E-A7C2-465C-AD39-8EDCB0F58E3C}" type="datetimeFigureOut">
               <a:rPr lang="en-US" dirty="0"/>
-              <a:t>6/23/2024</a:t>
+              <a:t>6/25/2024</a:t>
             </a:fld>
             <a:endParaRPr lang="en-US" dirty="0"/>
           </a:p>
@@ -2806,7 +2876,7 @@
           <a:p>
             <a:fld id="{F39F93E5-AFB6-485C-8E3C-32F92A07875F}" type="datetimeFigureOut">
               <a:rPr lang="en-US" dirty="0"/>
-              <a:t>6/23/2024</a:t>
+              <a:t>6/25/2024</a:t>
             </a:fld>
             <a:endParaRPr lang="en-US" dirty="0"/>
           </a:p>
@@ -3049,7 +3119,7 @@
           <a:p>
             <a:fld id="{3A332BE1-279E-4118-9FE3-7952B079A510}" type="datetimeFigureOut">
               <a:rPr lang="en-US" dirty="0"/>
-              <a:t>6/23/2024</a:t>
+              <a:t>6/25/2024</a:t>
             </a:fld>
             <a:endParaRPr lang="en-US" dirty="0"/>
           </a:p>
@@ -3701,10 +3771,20 @@
           <a:p>
             <a:r>
               <a:rPr lang="ja-JP">
+                <a:solidFill>
+                  <a:srgbClr val="FF0000"/>
+                </a:solidFill>
                 <a:ea typeface="+mn-lt"/>
                 <a:cs typeface="+mn-lt"/>
               </a:rPr>
-              <a:t>何が理解できていて、何が理解できていないか簡単にわかるツールがあれば現時点の理解度を判定することができる。</a:t>
+              <a:t>何が理解できていて、何が理解できていないか簡単にわかるツール</a:t>
+            </a:r>
+            <a:r>
+              <a:rPr lang="ja-JP">
+                <a:ea typeface="+mn-lt"/>
+                <a:cs typeface="+mn-lt"/>
+              </a:rPr>
+              <a:t>があれば現時点の理解度を判定することができる。</a:t>
             </a:r>
             <a:endParaRPr lang="ja-JP" altLang="en-US">
               <a:ea typeface="ＭＳ Ｐゴシック"/>
@@ -3741,10 +3821,20 @@
           <a:p>
             <a:r>
               <a:rPr lang="ja-JP">
+                <a:solidFill>
+                  <a:srgbClr val="FF0000"/>
+                </a:solidFill>
                 <a:ea typeface="+mn-lt"/>
                 <a:cs typeface="+mn-lt"/>
               </a:rPr>
-              <a:t>Javaクイズを作成しようと思い立った。</a:t>
+              <a:t>Javaクイズを作成しよう</a:t>
+            </a:r>
+            <a:r>
+              <a:rPr lang="ja-JP">
+                <a:ea typeface="+mn-lt"/>
+                <a:cs typeface="+mn-lt"/>
+              </a:rPr>
+              <a:t>と思い立った。</a:t>
             </a:r>
             <a:endParaRPr lang="ja-JP" altLang="en-US">
               <a:ea typeface="ＭＳ Ｐゴシック"/>
@@ -3855,9 +3945,22 @@
                 <a:ea typeface="+mn-lt"/>
                 <a:cs typeface="+mn-lt"/>
               </a:rPr>
-              <a:t>ユーザーIDを登録し、ログインするとJavaクイズをランダムに10問出題</a:t>
+              <a:t>ユーザーIDを登録し、ログインすると</a:t>
+            </a:r>
+            <a:r>
+              <a:rPr lang="ja-JP">
+                <a:solidFill>
+                  <a:srgbClr val="FF0000"/>
+                </a:solidFill>
+                <a:ea typeface="+mn-lt"/>
+                <a:cs typeface="+mn-lt"/>
+              </a:rPr>
+              <a:t>Javaクイズをランダムに10問出題</a:t>
             </a:r>
             <a:endParaRPr lang="ja-JP" altLang="en-US">
+              <a:solidFill>
+                <a:srgbClr val="FF0000"/>
+              </a:solidFill>
               <a:ea typeface="ＭＳ Ｐゴシック"/>
               <a:cs typeface="+mn-lt"/>
             </a:endParaRPr>
@@ -3881,9 +3984,22 @@
                 <a:ea typeface="+mn-lt"/>
                 <a:cs typeface="+mn-lt"/>
               </a:rPr>
-              <a:t>回答した画面の選択肢の左側に"〇"/"✖"をつけて"正解"/"不正解"を表示</a:t>
+              <a:t>回答した画面の選択肢の左側に</a:t>
+            </a:r>
+            <a:r>
+              <a:rPr lang="ja-JP">
+                <a:solidFill>
+                  <a:srgbClr val="FF0000"/>
+                </a:solidFill>
+                <a:ea typeface="+mn-lt"/>
+                <a:cs typeface="+mn-lt"/>
+              </a:rPr>
+              <a:t>"〇"/"✖"をつけて"正解"/"不正解"を表示</a:t>
             </a:r>
             <a:endParaRPr lang="ja-JP" altLang="en-US">
+              <a:solidFill>
+                <a:srgbClr val="FF0000"/>
+              </a:solidFill>
               <a:ea typeface="ＭＳ Ｐゴシック"/>
               <a:cs typeface="+mn-lt"/>
             </a:endParaRPr>
@@ -4010,6 +4126,9 @@
             </a:r>
             <a:r>
               <a:rPr lang="ja-JP" altLang="en-US">
+                <a:solidFill>
+                  <a:srgbClr val="FF0000"/>
+                </a:solidFill>
                 <a:ea typeface="+mn-lt"/>
                 <a:cs typeface="+mn-lt"/>
               </a:rPr>
@@ -4017,10 +4136,20 @@
             </a:r>
             <a:r>
               <a:rPr lang="ja-JP">
+                <a:solidFill>
+                  <a:srgbClr val="FF0000"/>
+                </a:solidFill>
                 <a:ea typeface="+mn-lt"/>
                 <a:cs typeface="+mn-lt"/>
               </a:rPr>
-              <a:t>そのまま使用可能である。　　　</a:t>
+              <a:t>そのまま使用可能</a:t>
+            </a:r>
+            <a:r>
+              <a:rPr lang="ja-JP">
+                <a:ea typeface="+mn-lt"/>
+                <a:cs typeface="+mn-lt"/>
+              </a:rPr>
+              <a:t>である。　　　</a:t>
             </a:r>
             <a:r>
               <a:rPr lang="ja-JP" altLang="en-US">
@@ -4153,7 +4282,24 @@
                 <a:ea typeface="+mn-lt"/>
                 <a:cs typeface="+mn-lt"/>
               </a:rPr>
-              <a:t>画面表示機能が完成した後もHTML特有である文章の改行表示がされないことに気づ</a:t>
+              <a:t>画面表示機能が完成した後もHTML特有である</a:t>
+            </a:r>
+            <a:r>
+              <a:rPr lang="ja-JP">
+                <a:solidFill>
+                  <a:srgbClr val="FF0000"/>
+                </a:solidFill>
+                <a:ea typeface="+mn-lt"/>
+                <a:cs typeface="+mn-lt"/>
+              </a:rPr>
+              <a:t>文章の改行表示がされない</a:t>
+            </a:r>
+            <a:r>
+              <a:rPr lang="ja-JP">
+                <a:ea typeface="+mn-lt"/>
+                <a:cs typeface="+mn-lt"/>
+              </a:rPr>
+              <a:t>ことに気づ</a:t>
             </a:r>
             <a:r>
               <a:rPr lang="ja-JP" altLang="en-US">
@@ -4173,7 +4319,41 @@
                 <a:ea typeface="+mn-lt"/>
                 <a:cs typeface="+mn-lt"/>
               </a:rPr>
-              <a:t>設問と選択肢のデータベースに改行コードを追加したり、字下げ（インデント）のため行頭に全角スペースを挿入する等、休日や夜間などにかなりの時間を費やした。</a:t>
+              <a:t>設問と選択肢のデータベースに</a:t>
+            </a:r>
+            <a:r>
+              <a:rPr lang="ja-JP">
+                <a:solidFill>
+                  <a:srgbClr val="FF0000"/>
+                </a:solidFill>
+                <a:ea typeface="+mn-lt"/>
+                <a:cs typeface="+mn-lt"/>
+              </a:rPr>
+              <a:t>改行コードを追加</a:t>
+            </a:r>
+            <a:r>
+              <a:rPr lang="ja-JP">
+                <a:ea typeface="+mn-lt"/>
+                <a:cs typeface="+mn-lt"/>
+              </a:rPr>
+              <a:t>したり、字下げ（インデント）のため</a:t>
+            </a:r>
+            <a:r>
+              <a:rPr lang="ja-JP">
+                <a:solidFill>
+                  <a:srgbClr val="FF0000"/>
+                </a:solidFill>
+                <a:ea typeface="+mn-lt"/>
+                <a:cs typeface="+mn-lt"/>
+              </a:rPr>
+              <a:t>行頭に全角スペースを挿入</a:t>
+            </a:r>
+            <a:r>
+              <a:rPr lang="ja-JP">
+                <a:ea typeface="+mn-lt"/>
+                <a:cs typeface="+mn-lt"/>
+              </a:rPr>
+              <a:t>する等、休日や夜間などにかなりの時間を費やした。</a:t>
             </a:r>
             <a:endParaRPr lang="ja-JP" altLang="en-US">
               <a:ea typeface="ＭＳ Ｐゴシック"/>
